--- a/Project 2/Phase 3/proj2_3/meam620/proj2_3/data_out/Summary_Slide.pptx
+++ b/Project 2/Phase 3/proj2_3/meam620/proj2_3/data_out/Summary_Slide.pptx
@@ -256,7 +256,7 @@
           <a:p>
             <a:fld id="{48A87A34-81AB-432B-8DAE-1953F412C126}" type="datetimeFigureOut">
               <a:rPr lang="en-US" dirty="0"/>
-              <a:t>5/2/2021</a:t>
+              <a:t>5/2/21</a:t>
             </a:fld>
             <a:endParaRPr lang="en-US" dirty="0"/>
           </a:p>
@@ -462,7 +462,7 @@
           <a:p>
             <a:fld id="{48A87A34-81AB-432B-8DAE-1953F412C126}" type="datetimeFigureOut">
               <a:rPr lang="en-US" dirty="0"/>
-              <a:t>5/2/2021</a:t>
+              <a:t>5/2/21</a:t>
             </a:fld>
             <a:endParaRPr lang="en-US" dirty="0"/>
           </a:p>
@@ -672,7 +672,7 @@
           <a:p>
             <a:fld id="{48A87A34-81AB-432B-8DAE-1953F412C126}" type="datetimeFigureOut">
               <a:rPr lang="en-US" dirty="0"/>
-              <a:t>5/2/2021</a:t>
+              <a:t>5/2/21</a:t>
             </a:fld>
             <a:endParaRPr lang="en-US" dirty="0"/>
           </a:p>
@@ -868,7 +868,7 @@
           <a:p>
             <a:fld id="{48A87A34-81AB-432B-8DAE-1953F412C126}" type="datetimeFigureOut">
               <a:rPr lang="en-US" dirty="0"/>
-              <a:t>5/2/2021</a:t>
+              <a:t>5/2/21</a:t>
             </a:fld>
             <a:endParaRPr lang="en-US" dirty="0"/>
           </a:p>
@@ -1142,7 +1142,7 @@
           <a:p>
             <a:fld id="{48A87A34-81AB-432B-8DAE-1953F412C126}" type="datetimeFigureOut">
               <a:rPr lang="en-US" dirty="0"/>
-              <a:t>5/2/2021</a:t>
+              <a:t>5/2/21</a:t>
             </a:fld>
             <a:endParaRPr lang="en-US" dirty="0"/>
           </a:p>
@@ -1405,7 +1405,7 @@
           <a:p>
             <a:fld id="{48A87A34-81AB-432B-8DAE-1953F412C126}" type="datetimeFigureOut">
               <a:rPr lang="en-US" dirty="0"/>
-              <a:t>5/2/2021</a:t>
+              <a:t>5/2/21</a:t>
             </a:fld>
             <a:endParaRPr lang="en-US" dirty="0"/>
           </a:p>
@@ -1816,7 +1816,7 @@
           <a:p>
             <a:fld id="{48A87A34-81AB-432B-8DAE-1953F412C126}" type="datetimeFigureOut">
               <a:rPr lang="en-US" dirty="0"/>
-              <a:t>5/2/2021</a:t>
+              <a:t>5/2/21</a:t>
             </a:fld>
             <a:endParaRPr lang="en-US" dirty="0"/>
           </a:p>
@@ -1960,7 +1960,7 @@
           <a:p>
             <a:fld id="{48A87A34-81AB-432B-8DAE-1953F412C126}" type="datetimeFigureOut">
               <a:rPr lang="en-US" dirty="0"/>
-              <a:t>5/2/2021</a:t>
+              <a:t>5/2/21</a:t>
             </a:fld>
             <a:endParaRPr lang="en-US" dirty="0"/>
           </a:p>
@@ -2081,7 +2081,7 @@
           <a:p>
             <a:fld id="{48A87A34-81AB-432B-8DAE-1953F412C126}" type="datetimeFigureOut">
               <a:rPr lang="en-US" dirty="0"/>
-              <a:t>5/2/2021</a:t>
+              <a:t>5/2/21</a:t>
             </a:fld>
             <a:endParaRPr lang="en-US" dirty="0"/>
           </a:p>
@@ -2327,7 +2327,7 @@
           <a:p>
             <a:fld id="{48A87A34-81AB-432B-8DAE-1953F412C126}" type="datetimeFigureOut">
               <a:rPr lang="en-US" dirty="0"/>
-              <a:t>5/2/2021</a:t>
+              <a:t>5/2/21</a:t>
             </a:fld>
             <a:endParaRPr lang="en-US" dirty="0"/>
           </a:p>
@@ -2768,7 +2768,7 @@
             <a:fld id="{48A87A34-81AB-432B-8DAE-1953F412C126}" type="datetimeFigureOut">
               <a:rPr lang="en-US" dirty="0"/>
               <a:pPr/>
-              <a:t>5/2/2021</a:t>
+              <a:t>5/2/21</a:t>
             </a:fld>
             <a:endParaRPr lang="en-US" dirty="0"/>
           </a:p>
@@ -3091,7 +3091,7 @@
             <a:fld id="{48A87A34-81AB-432B-8DAE-1953F412C126}" type="datetimeFigureOut">
               <a:rPr lang="en-US" dirty="0"/>
               <a:pPr/>
-              <a:t>5/2/2021</a:t>
+              <a:t>5/2/21</a:t>
             </a:fld>
             <a:endParaRPr lang="en-US" dirty="0"/>
           </a:p>
@@ -3760,8 +3760,12 @@
           <a:lstStyle/>
           <a:p>
             <a:r>
+              <a:rPr lang="en-US" sz="1400" dirty="0" err="1"/>
+              <a:t>Vio.PY</a:t>
+            </a:r>
+            <a:r>
               <a:rPr lang="en-US" sz="1400" dirty="0"/>
-              <a:t>ESTIMATE_POSE_RANSAC.PY output</a:t>
+              <a:t> output</a:t>
             </a:r>
           </a:p>
         </p:txBody>
@@ -4170,8 +4174,8 @@
         </p:nvSpPr>
         <p:spPr>
           <a:xfrm>
-            <a:off x="6681733" y="2228671"/>
-            <a:ext cx="4384373" cy="1200329"/>
+            <a:off x="6204857" y="2228671"/>
+            <a:ext cx="4861249" cy="1477328"/>
           </a:xfrm>
           <a:prstGeom prst="rect">
             <a:avLst/>
@@ -4190,11 +4194,11 @@
             </a:pPr>
             <a:r>
               <a:rPr lang="en-US" b="1" dirty="0"/>
-              <a:t>Pages 2-3</a:t>
+              <a:t>Pages 2</a:t>
             </a:r>
             <a:r>
               <a:rPr lang="en-US" dirty="0"/>
-              <a:t>: Derivation</a:t>
+              <a:t>: Trace of Covariance Matrix Plot</a:t>
             </a:r>
           </a:p>
           <a:p>
@@ -4204,17 +4208,12 @@
             </a:pPr>
             <a:r>
               <a:rPr lang="en-US" b="1" dirty="0"/>
-              <a:t>Page 4</a:t>
+              <a:t>Page 3</a:t>
             </a:r>
             <a:r>
               <a:rPr lang="en-US" dirty="0"/>
-              <a:t>: 	Plots for 0 iteration </a:t>
-            </a:r>
-            <a:r>
-              <a:rPr lang="en-US" dirty="0" err="1"/>
-              <a:t>Ransac</a:t>
-            </a:r>
-            <a:endParaRPr lang="en-US" dirty="0"/>
+              <a:t>: 	Attitude/Position/Velocity Plot</a:t>
+            </a:r>
           </a:p>
           <a:p>
             <a:pPr marL="285750" indent="-285750">
@@ -4223,17 +4222,20 @@
             </a:pPr>
             <a:r>
               <a:rPr lang="en-US" b="1" dirty="0"/>
-              <a:t>Page 5</a:t>
+              <a:t>Page 4</a:t>
             </a:r>
             <a:r>
               <a:rPr lang="en-US" dirty="0"/>
-              <a:t>: 	Plots for 10 iteration </a:t>
+              <a:t>: 	Accelerometer/</a:t>
             </a:r>
             <a:r>
               <a:rPr lang="en-US" dirty="0" err="1"/>
-              <a:t>Ransac</a:t>
-            </a:r>
-            <a:endParaRPr lang="en-US" dirty="0"/>
+              <a:t>Gyrometer</a:t>
+            </a:r>
+            <a:r>
+              <a:rPr lang="en-US" dirty="0"/>
+              <a:t> Plot</a:t>
+            </a:r>
           </a:p>
           <a:p>
             <a:pPr marL="285750" indent="-285750">
@@ -4242,12 +4244,27 @@
             </a:pPr>
             <a:r>
               <a:rPr lang="en-US" b="1" dirty="0"/>
+              <a:t>Page 5</a:t>
+            </a:r>
+            <a:r>
+              <a:rPr lang="en-US" dirty="0"/>
+              <a:t>: 	Gravity Plot</a:t>
+            </a:r>
+          </a:p>
+          <a:p>
+            <a:pPr marL="285750" indent="-285750">
+              <a:buFont typeface="Arial" panose="020B0604020202020204" pitchFamily="34" charset="0"/>
+              <a:buChar char="•"/>
+            </a:pPr>
+            <a:r>
+              <a:rPr lang="en-US" b="1" dirty="0"/>
               <a:t>Page 6</a:t>
             </a:r>
             <a:r>
               <a:rPr lang="en-US" dirty="0"/>
-              <a:t>: 	Observations</a:t>
-            </a:r>
+              <a:t>:	Observations</a:t>
+            </a:r>
+            <a:endParaRPr lang="en-US" b="1" dirty="0"/>
           </a:p>
         </p:txBody>
       </p:sp>
@@ -4900,7 +4917,7 @@
         <p:spPr>
           <a:xfrm>
             <a:off x="891152" y="573438"/>
-            <a:ext cx="10409695" cy="1200329"/>
+            <a:ext cx="10409695" cy="2308324"/>
           </a:xfrm>
           <a:prstGeom prst="rect">
             <a:avLst/>
@@ -4915,7 +4932,15 @@
           <a:p>
             <a:r>
               <a:rPr lang="en-US" dirty="0"/>
-              <a:t>We see that when we use 10 iterations, the position and attitude plots are smooth and continuous. Furthermore, since we are being more stringent in our criteria for outliers, this is represented in the inlier/outlier plot. For 0 iterations, since we treat all correspondence points as inliers, even though they may in fact be outliers, we don’t see as smooth position and attitude plots.</a:t>
+              <a:t>Looking at the accelerometer bias plots, we note the presence of a bias which varies with time, a result that is indeed expected. Furthermore, after generating a video file from the 600 images present in cam0 and cam1 and comparing the resulting video to the estimated pose and trajectory from our Kalman Filter algorithm, we observe several areas of congruence. Note that the first ~3.5 minutes of each video were relevant because we only plotted the first 200 images. In each video, we observe the quadrotor’s x-axis position varying sinusoidally, with its magnitude varying much more than the z-axis position, an observation that is supported in our plots.. This corresponds to the </a:t>
+            </a:r>
+            <a:r>
+              <a:rPr lang="en-US"/>
+              <a:t>equadrotor</a:t>
+            </a:r>
+            <a:r>
+              <a:rPr lang="en-US" dirty="0"/>
+              <a:t> executing a circular motion which was captured by the cameras. Y-axis variation remains relatively constant which is also bolstered by our plots.</a:t>
             </a:r>
           </a:p>
         </p:txBody>
